--- a/CalendarioAgo2024/Presentaciones/7_5_Ruteo_dinamico_OSPF.pptx
+++ b/CalendarioAgo2024/Presentaciones/7_5_Ruteo_dinamico_OSPF.pptx
@@ -265,7 +265,7 @@
             <a:fld id="{136337D9-3022-3D41-8D8A-BDF2F3B0DD8E}" type="datetimeFigureOut">
               <a:rPr lang="en-US" smtClean="0"/>
               <a:pPr/>
-              <a:t>3/10/2024</a:t>
+              <a:t>9/1/2024</a:t>
             </a:fld>
             <a:endParaRPr lang="es-ES" dirty="0"/>
           </a:p>
@@ -31398,13 +31398,14 @@
         <p:spPr>
           <a:xfrm>
             <a:off x="480447" y="809071"/>
-            <a:ext cx="8503533" cy="4181383"/>
+            <a:ext cx="8351979" cy="4181383"/>
           </a:xfrm>
         </p:spPr>
         <p:txBody>
           <a:bodyPr/>
           <a:lstStyle/>
           <a:p>
+            <a:pPr algn="just"/>
             <a:r>
               <a:rPr lang="es-ES" dirty="0"/>
               <a:t>El comando </a:t>
@@ -31415,7 +31416,7 @@
             </a:r>
             <a:r>
               <a:rPr lang="es-ES" dirty="0"/>
-              <a:t> se utiliza para verificar la ID del proceso de OSPFv2, la ID del router, las redes que anuncia el router, los vecinos que envían actualizaciones de OSPF y la distancia administrativa (110 por defecto).</a:t>
+              <a:t> se utiliza para verificar la ID del proceso de OSPFv2, el ID del router, las redes que anuncia el router, los vecinos que envían actualizaciones de OSPF y la distancia administrativa (110 por defecto).</a:t>
             </a:r>
           </a:p>
         </p:txBody>
@@ -31436,8 +31437,8 @@
         </p:blipFill>
         <p:spPr>
           <a:xfrm>
-            <a:off x="486978" y="1952408"/>
-            <a:ext cx="3407447" cy="2283811"/>
+            <a:off x="708793" y="1722115"/>
+            <a:ext cx="3807374" cy="2551858"/>
           </a:xfrm>
           <a:prstGeom prst="rect">
             <a:avLst/>
@@ -31460,7 +31461,7 @@
         </p:blipFill>
         <p:spPr>
           <a:xfrm>
-            <a:off x="4533254" y="1395254"/>
+            <a:off x="4679116" y="1437166"/>
             <a:ext cx="3984436" cy="3314293"/>
           </a:xfrm>
           <a:prstGeom prst="rect">
@@ -32664,7 +32665,7 @@
           <a:ln/>
           <a:extLst>
             <a:ext uri="{FAA26D3D-D897-4be2-8F04-BA451C77F1D7}">
-              <ma14:placeholderFlag xmlns="" xmlns:o="urn:schemas-microsoft-com:office:office" xmlns:v="urn:schemas-microsoft-com:vml" xmlns:wp="http://schemas.openxmlformats.org/drawingml/2006/powerpointprocessingDrawing" xmlns:wne="http://schemas.microsoft.com/office/powerpoint/2006/powerpointml" xmlns:cdr="http://schemas.openxmlformats.org/drawingml/2006/chartDrawing" xmlns:dgm="http://schemas.openxmlformats.org/drawingml/2006/diagram" xmlns:c="http://schemas.openxmlformats.org/drawingml/2006/chart" xmlns:a14="http://schemas.microsoft.com/office/drawing/2010/main" xmlns:mc="http://schemas.openxmlformats.org/markup-compatibility/2006" xmlns:ma14="http://schemas.microsoft.com/office/mac/drawingml/2011/main" val="1"/>
+              <ma14:placeholderFlag xmlns:ma14="http://schemas.microsoft.com/office/mac/drawingml/2011/main" xmlns:mc="http://schemas.openxmlformats.org/markup-compatibility/2006" xmlns:a14="http://schemas.microsoft.com/office/drawing/2010/main" xmlns:c="http://schemas.openxmlformats.org/drawingml/2006/chart" xmlns:dgm="http://schemas.openxmlformats.org/drawingml/2006/diagram" xmlns:cdr="http://schemas.openxmlformats.org/drawingml/2006/chartDrawing" xmlns:wne="http://schemas.microsoft.com/office/powerpoint/2006/powerpointml" xmlns:wp="http://schemas.openxmlformats.org/drawingml/2006/powerpointprocessingDrawing" xmlns:v="urn:schemas-microsoft-com:vml" xmlns:o="urn:schemas-microsoft-com:office:office" xmlns="" val="1"/>
             </a:ext>
           </a:extLst>
         </p:spPr>
@@ -33873,7 +33874,7 @@
             </a:r>
             <a:r>
               <a:rPr lang="es-ES" dirty="0"/>
-              <a:t> se utilizan para proporcionar una ID del </a:t>
+              <a:t> se utilizan para proporcionar un ID del </a:t>
             </a:r>
             <a:r>
               <a:rPr lang="es-ES" dirty="0" err="1"/>
